--- a/brWheel_my/encoder_ffb_clip_led_wiring_diagram.pptx
+++ b/brWheel_my/encoder_ffb_clip_led_wiring_diagram.pptx
@@ -241,7 +241,7 @@
           <a:p>
             <a:fld id="{A398FB1A-F8C3-427F-BE44-B87966AC4D7F}" type="datetimeFigureOut">
               <a:rPr lang="en-US" smtClean="0"/>
-              <a:t>07-Jun-22</a:t>
+              <a:t>09-Jun-22</a:t>
             </a:fld>
             <a:endParaRPr lang="en-US"/>
           </a:p>
@@ -409,7 +409,7 @@
           <a:p>
             <a:fld id="{A398FB1A-F8C3-427F-BE44-B87966AC4D7F}" type="datetimeFigureOut">
               <a:rPr lang="en-US" smtClean="0"/>
-              <a:t>07-Jun-22</a:t>
+              <a:t>09-Jun-22</a:t>
             </a:fld>
             <a:endParaRPr lang="en-US"/>
           </a:p>
@@ -587,7 +587,7 @@
           <a:p>
             <a:fld id="{A398FB1A-F8C3-427F-BE44-B87966AC4D7F}" type="datetimeFigureOut">
               <a:rPr lang="en-US" smtClean="0"/>
-              <a:t>07-Jun-22</a:t>
+              <a:t>09-Jun-22</a:t>
             </a:fld>
             <a:endParaRPr lang="en-US"/>
           </a:p>
@@ -755,7 +755,7 @@
           <a:p>
             <a:fld id="{A398FB1A-F8C3-427F-BE44-B87966AC4D7F}" type="datetimeFigureOut">
               <a:rPr lang="en-US" smtClean="0"/>
-              <a:t>07-Jun-22</a:t>
+              <a:t>09-Jun-22</a:t>
             </a:fld>
             <a:endParaRPr lang="en-US"/>
           </a:p>
@@ -1000,7 +1000,7 @@
           <a:p>
             <a:fld id="{A398FB1A-F8C3-427F-BE44-B87966AC4D7F}" type="datetimeFigureOut">
               <a:rPr lang="en-US" smtClean="0"/>
-              <a:t>07-Jun-22</a:t>
+              <a:t>09-Jun-22</a:t>
             </a:fld>
             <a:endParaRPr lang="en-US"/>
           </a:p>
@@ -1229,7 +1229,7 @@
           <a:p>
             <a:fld id="{A398FB1A-F8C3-427F-BE44-B87966AC4D7F}" type="datetimeFigureOut">
               <a:rPr lang="en-US" smtClean="0"/>
-              <a:t>07-Jun-22</a:t>
+              <a:t>09-Jun-22</a:t>
             </a:fld>
             <a:endParaRPr lang="en-US"/>
           </a:p>
@@ -1593,7 +1593,7 @@
           <a:p>
             <a:fld id="{A398FB1A-F8C3-427F-BE44-B87966AC4D7F}" type="datetimeFigureOut">
               <a:rPr lang="en-US" smtClean="0"/>
-              <a:t>07-Jun-22</a:t>
+              <a:t>09-Jun-22</a:t>
             </a:fld>
             <a:endParaRPr lang="en-US"/>
           </a:p>
@@ -1710,7 +1710,7 @@
           <a:p>
             <a:fld id="{A398FB1A-F8C3-427F-BE44-B87966AC4D7F}" type="datetimeFigureOut">
               <a:rPr lang="en-US" smtClean="0"/>
-              <a:t>07-Jun-22</a:t>
+              <a:t>09-Jun-22</a:t>
             </a:fld>
             <a:endParaRPr lang="en-US"/>
           </a:p>
@@ -1805,7 +1805,7 @@
           <a:p>
             <a:fld id="{A398FB1A-F8C3-427F-BE44-B87966AC4D7F}" type="datetimeFigureOut">
               <a:rPr lang="en-US" smtClean="0"/>
-              <a:t>07-Jun-22</a:t>
+              <a:t>09-Jun-22</a:t>
             </a:fld>
             <a:endParaRPr lang="en-US"/>
           </a:p>
@@ -2080,7 +2080,7 @@
           <a:p>
             <a:fld id="{A398FB1A-F8C3-427F-BE44-B87966AC4D7F}" type="datetimeFigureOut">
               <a:rPr lang="en-US" smtClean="0"/>
-              <a:t>07-Jun-22</a:t>
+              <a:t>09-Jun-22</a:t>
             </a:fld>
             <a:endParaRPr lang="en-US"/>
           </a:p>
@@ -2332,7 +2332,7 @@
           <a:p>
             <a:fld id="{A398FB1A-F8C3-427F-BE44-B87966AC4D7F}" type="datetimeFigureOut">
               <a:rPr lang="en-US" smtClean="0"/>
-              <a:t>07-Jun-22</a:t>
+              <a:t>09-Jun-22</a:t>
             </a:fld>
             <a:endParaRPr lang="en-US"/>
           </a:p>
@@ -2543,7 +2543,7 @@
           <a:p>
             <a:fld id="{A398FB1A-F8C3-427F-BE44-B87966AC4D7F}" type="datetimeFigureOut">
               <a:rPr lang="en-US" smtClean="0"/>
-              <a:t>07-Jun-22</a:t>
+              <a:t>09-Jun-22</a:t>
             </a:fld>
             <a:endParaRPr lang="en-US"/>
           </a:p>
@@ -3005,11 +3005,7 @@
             </a:r>
             <a:r>
               <a:rPr lang="en-US" dirty="0" smtClean="0"/>
-              <a:t>Leonardo, </a:t>
-            </a:r>
-            <a:r>
-              <a:rPr lang="en-US" dirty="0" smtClean="0"/>
-              <a:t>Micro or </a:t>
+              <a:t>Leonardo, Micro or </a:t>
             </a:r>
             <a:r>
               <a:rPr lang="en-US" dirty="0" err="1" smtClean="0"/>
@@ -3122,19 +3118,7 @@
             </a:r>
             <a:r>
               <a:rPr lang="en-US" dirty="0" smtClean="0"/>
-              <a:t>and FFB clip LED </a:t>
-            </a:r>
-            <a:r>
-              <a:rPr lang="en-US" dirty="0" smtClean="0"/>
-              <a:t>(valid </a:t>
-            </a:r>
-            <a:r>
-              <a:rPr lang="en-US" dirty="0" smtClean="0"/>
-              <a:t>for all </a:t>
-            </a:r>
-            <a:r>
-              <a:rPr lang="en-US" dirty="0" smtClean="0"/>
-              <a:t>firmware versions)</a:t>
+              <a:t>and FFB clip LED (valid for all firmware versions)</a:t>
             </a:r>
             <a:endParaRPr lang="en-US" dirty="0"/>
           </a:p>
@@ -3205,37 +3189,19 @@
           <a:p>
             <a:r>
               <a:rPr lang="en-US" sz="1400" dirty="0" smtClean="0"/>
-              <a:t>Arduino</a:t>
-            </a:r>
+              <a:t>Arduino	Encoder</a:t>
+            </a:r>
+          </a:p>
+          <a:p>
             <a:r>
               <a:rPr lang="en-US" sz="1400" dirty="0" smtClean="0"/>
-              <a:t>	</a:t>
-            </a:r>
+              <a:t>GND	0V, shield</a:t>
+            </a:r>
+          </a:p>
+          <a:p>
             <a:r>
               <a:rPr lang="en-US" sz="1400" dirty="0" smtClean="0"/>
-              <a:t>Encoder</a:t>
-            </a:r>
-            <a:endParaRPr lang="en-US" sz="1400" dirty="0" smtClean="0"/>
-          </a:p>
-          <a:p>
-            <a:r>
-              <a:rPr lang="en-US" sz="1400" dirty="0" smtClean="0"/>
-              <a:t>GND	</a:t>
-            </a:r>
-            <a:r>
-              <a:rPr lang="en-US" sz="1400" dirty="0" smtClean="0"/>
-              <a:t>0V, shield</a:t>
-            </a:r>
-            <a:endParaRPr lang="en-US" sz="1400" dirty="0" smtClean="0"/>
-          </a:p>
-          <a:p>
-            <a:r>
-              <a:rPr lang="en-US" sz="1400" dirty="0" smtClean="0"/>
-              <a:t>5V	</a:t>
-            </a:r>
-            <a:r>
-              <a:rPr lang="en-US" sz="1400" dirty="0" smtClean="0"/>
-              <a:t>VCC or 5V</a:t>
+              <a:t>5V	VCC or 5V</a:t>
             </a:r>
           </a:p>
           <a:p>
@@ -4770,7 +4736,7 @@
         </p:nvSpPr>
         <p:spPr>
           <a:xfrm>
-            <a:off x="4701537" y="1546023"/>
+            <a:off x="4719589" y="1546394"/>
             <a:ext cx="715260" cy="307777"/>
           </a:xfrm>
           <a:prstGeom prst="rect">
@@ -5143,15 +5109,13 @@
       <p:cxnSp>
         <p:nvCxnSpPr>
           <p:cNvPr id="166" name="Straight Connector 165"/>
-          <p:cNvCxnSpPr>
-            <a:stCxn id="159" idx="0"/>
-          </p:cNvCxnSpPr>
+          <p:cNvCxnSpPr/>
           <p:nvPr/>
         </p:nvCxnSpPr>
         <p:spPr>
           <a:xfrm flipV="1">
-            <a:off x="7480615" y="5158151"/>
-            <a:ext cx="0" cy="641552"/>
+            <a:off x="7865449" y="4625485"/>
+            <a:ext cx="0" cy="548857"/>
           </a:xfrm>
           <a:prstGeom prst="line">
             <a:avLst/>
@@ -5185,8 +5149,8 @@
         </p:nvCxnSpPr>
         <p:spPr>
           <a:xfrm flipV="1">
-            <a:off x="7469877" y="4618816"/>
-            <a:ext cx="413094" cy="563618"/>
+            <a:off x="7473754" y="5168905"/>
+            <a:ext cx="393556" cy="629735"/>
           </a:xfrm>
           <a:prstGeom prst="line">
             <a:avLst/>
@@ -5222,8 +5186,8 @@
         </p:nvCxnSpPr>
         <p:spPr>
           <a:xfrm flipV="1">
-            <a:off x="6335487" y="5174342"/>
-            <a:ext cx="1145128" cy="1"/>
+            <a:off x="6335487" y="5170092"/>
+            <a:ext cx="1527342" cy="4251"/>
           </a:xfrm>
           <a:prstGeom prst="line">
             <a:avLst/>
@@ -5289,15 +5253,13 @@
       <p:cxnSp>
         <p:nvCxnSpPr>
           <p:cNvPr id="176" name="Straight Connector 175"/>
-          <p:cNvCxnSpPr>
-            <a:stCxn id="160" idx="0"/>
-          </p:cNvCxnSpPr>
+          <p:cNvCxnSpPr/>
           <p:nvPr/>
         </p:nvCxnSpPr>
         <p:spPr>
-          <a:xfrm flipH="1" flipV="1">
-            <a:off x="7882971" y="4625485"/>
-            <a:ext cx="10738" cy="1174218"/>
+          <a:xfrm flipV="1">
+            <a:off x="7889668" y="4625485"/>
+            <a:ext cx="0" cy="1180289"/>
           </a:xfrm>
           <a:prstGeom prst="line">
             <a:avLst/>
@@ -5333,7 +5295,7 @@
         <p:spPr>
           <a:xfrm>
             <a:off x="8714687" y="4059049"/>
-            <a:ext cx="3308663" cy="2462213"/>
+            <a:ext cx="3308663" cy="2246769"/>
           </a:xfrm>
           <a:prstGeom prst="rect">
             <a:avLst/>
@@ -5387,13 +5349,21 @@
           <a:p>
             <a:r>
               <a:rPr lang="en-US" sz="1400" i="1" dirty="0" smtClean="0"/>
-              <a:t>indicator, it turns on at half brightness</a:t>
-            </a:r>
-          </a:p>
-          <a:p>
+              <a:t>it </a:t>
+            </a:r>
+            <a:r>
+              <a:rPr lang="en-US" sz="1400" i="1" dirty="0"/>
+              <a:t>has linearly increasing </a:t>
+            </a:r>
             <a:r>
               <a:rPr lang="en-US" sz="1400" i="1" dirty="0" smtClean="0"/>
-              <a:t>for 90% of FFB, while for last</a:t>
+              <a:t>intensity up to</a:t>
+            </a:r>
+          </a:p>
+          <a:p>
+            <a:r>
+              <a:rPr lang="en-US" sz="1400" i="1" dirty="0" smtClean="0"/>
+              <a:t>half brightness</a:t>
             </a:r>
             <a:r>
               <a:rPr lang="en-US" sz="1400" i="1" dirty="0"/>
@@ -5401,25 +5371,19 @@
             </a:r>
             <a:r>
               <a:rPr lang="en-US" sz="1400" i="1" dirty="0" smtClean="0"/>
-              <a:t>10% of FFB</a:t>
+              <a:t>between 90-99% of FFB</a:t>
             </a:r>
           </a:p>
           <a:p>
             <a:r>
               <a:rPr lang="en-US" sz="1400" i="1" dirty="0" smtClean="0"/>
-              <a:t>it has linearly increasing intensity</a:t>
+              <a:t>and a full brightness for 100% of FFB</a:t>
             </a:r>
           </a:p>
           <a:p>
             <a:r>
               <a:rPr lang="en-US" sz="1400" i="1" dirty="0" smtClean="0"/>
-              <a:t>up to a full brightness level</a:t>
-            </a:r>
-          </a:p>
-          <a:p>
-            <a:r>
-              <a:rPr lang="en-US" sz="1400" i="1" dirty="0" smtClean="0"/>
-              <a:t>giving you ability to easily fine tune</a:t>
+              <a:t>giving you the ability to easily fine tune</a:t>
             </a:r>
           </a:p>
           <a:p>
@@ -5944,6 +5908,198 @@
               <a:rPr lang="en-US" sz="1400" dirty="0"/>
               <a:t>OMRON E6B2-CWZ1X</a:t>
             </a:r>
+          </a:p>
+        </p:txBody>
+      </p:sp>
+      <p:cxnSp>
+        <p:nvCxnSpPr>
+          <p:cNvPr id="105" name="Straight Connector 104"/>
+          <p:cNvCxnSpPr/>
+          <p:nvPr/>
+        </p:nvCxnSpPr>
+        <p:spPr>
+          <a:xfrm flipV="1">
+            <a:off x="7854512" y="4634900"/>
+            <a:ext cx="44733" cy="1081"/>
+          </a:xfrm>
+          <a:prstGeom prst="line">
+            <a:avLst/>
+          </a:prstGeom>
+          <a:ln w="28575">
+            <a:solidFill>
+              <a:srgbClr val="FF0000"/>
+            </a:solidFill>
+          </a:ln>
+        </p:spPr>
+        <p:style>
+          <a:lnRef idx="1">
+            <a:schemeClr val="accent1"/>
+          </a:lnRef>
+          <a:fillRef idx="0">
+            <a:schemeClr val="accent1"/>
+          </a:fillRef>
+          <a:effectRef idx="0">
+            <a:schemeClr val="accent1"/>
+          </a:effectRef>
+          <a:fontRef idx="minor">
+            <a:schemeClr val="tx1"/>
+          </a:fontRef>
+        </p:style>
+      </p:cxnSp>
+      <p:sp>
+        <p:nvSpPr>
+          <p:cNvPr id="38" name="TextBox 37"/>
+          <p:cNvSpPr txBox="1"/>
+          <p:nvPr/>
+        </p:nvSpPr>
+        <p:spPr>
+          <a:xfrm>
+            <a:off x="6541220" y="2791713"/>
+            <a:ext cx="274434" cy="307777"/>
+          </a:xfrm>
+          <a:prstGeom prst="rect">
+            <a:avLst/>
+          </a:prstGeom>
+          <a:noFill/>
+        </p:spPr>
+        <p:txBody>
+          <a:bodyPr wrap="none" rtlCol="0">
+            <a:spAutoFit/>
+          </a:bodyPr>
+          <a:lstStyle/>
+          <a:p>
+            <a:r>
+              <a:rPr lang="en-US" sz="1400" dirty="0" smtClean="0"/>
+              <a:t>*</a:t>
+            </a:r>
+            <a:endParaRPr lang="en-US" sz="1400" dirty="0"/>
+          </a:p>
+        </p:txBody>
+      </p:sp>
+      <p:sp>
+        <p:nvSpPr>
+          <p:cNvPr id="111" name="TextBox 110"/>
+          <p:cNvSpPr txBox="1"/>
+          <p:nvPr/>
+        </p:nvSpPr>
+        <p:spPr>
+          <a:xfrm>
+            <a:off x="4151612" y="3438085"/>
+            <a:ext cx="274434" cy="307777"/>
+          </a:xfrm>
+          <a:prstGeom prst="rect">
+            <a:avLst/>
+          </a:prstGeom>
+          <a:noFill/>
+        </p:spPr>
+        <p:txBody>
+          <a:bodyPr wrap="none" rtlCol="0">
+            <a:spAutoFit/>
+          </a:bodyPr>
+          <a:lstStyle/>
+          <a:p>
+            <a:r>
+              <a:rPr lang="en-US" sz="1400" dirty="0" smtClean="0"/>
+              <a:t>*</a:t>
+            </a:r>
+            <a:endParaRPr lang="en-US" sz="1400" dirty="0"/>
+          </a:p>
+        </p:txBody>
+      </p:sp>
+      <p:sp>
+        <p:nvSpPr>
+          <p:cNvPr id="39" name="TextBox 38"/>
+          <p:cNvSpPr txBox="1"/>
+          <p:nvPr/>
+        </p:nvSpPr>
+        <p:spPr>
+          <a:xfrm>
+            <a:off x="729463" y="5933272"/>
+            <a:ext cx="2810641" cy="584775"/>
+          </a:xfrm>
+          <a:prstGeom prst="rect">
+            <a:avLst/>
+          </a:prstGeom>
+          <a:noFill/>
+        </p:spPr>
+        <p:txBody>
+          <a:bodyPr wrap="none" rtlCol="0">
+            <a:spAutoFit/>
+          </a:bodyPr>
+          <a:lstStyle/>
+          <a:p>
+            <a:r>
+              <a:rPr lang="en-US" sz="1400" i="1" dirty="0"/>
+              <a:t>* not </a:t>
+            </a:r>
+            <a:r>
+              <a:rPr lang="en-US" sz="1400" i="1" dirty="0" smtClean="0"/>
+              <a:t>required features/components</a:t>
+            </a:r>
+            <a:endParaRPr lang="en-US" sz="1400" i="1" dirty="0"/>
+          </a:p>
+          <a:p>
+            <a:endParaRPr lang="en-US" dirty="0"/>
+          </a:p>
+        </p:txBody>
+      </p:sp>
+      <p:sp>
+        <p:nvSpPr>
+          <p:cNvPr id="114" name="TextBox 113"/>
+          <p:cNvSpPr txBox="1"/>
+          <p:nvPr/>
+        </p:nvSpPr>
+        <p:spPr>
+          <a:xfrm>
+            <a:off x="4573691" y="1941395"/>
+            <a:ext cx="274434" cy="307777"/>
+          </a:xfrm>
+          <a:prstGeom prst="rect">
+            <a:avLst/>
+          </a:prstGeom>
+          <a:noFill/>
+        </p:spPr>
+        <p:txBody>
+          <a:bodyPr wrap="none" rtlCol="0">
+            <a:spAutoFit/>
+          </a:bodyPr>
+          <a:lstStyle/>
+          <a:p>
+            <a:r>
+              <a:rPr lang="en-US" sz="1400" dirty="0" smtClean="0"/>
+              <a:t>*</a:t>
+            </a:r>
+            <a:endParaRPr lang="en-US" sz="1400" dirty="0"/>
+          </a:p>
+        </p:txBody>
+      </p:sp>
+      <p:sp>
+        <p:nvSpPr>
+          <p:cNvPr id="115" name="TextBox 114"/>
+          <p:cNvSpPr txBox="1"/>
+          <p:nvPr/>
+        </p:nvSpPr>
+        <p:spPr>
+          <a:xfrm>
+            <a:off x="4159019" y="3824091"/>
+            <a:ext cx="274434" cy="307777"/>
+          </a:xfrm>
+          <a:prstGeom prst="rect">
+            <a:avLst/>
+          </a:prstGeom>
+          <a:noFill/>
+        </p:spPr>
+        <p:txBody>
+          <a:bodyPr wrap="none" rtlCol="0">
+            <a:spAutoFit/>
+          </a:bodyPr>
+          <a:lstStyle/>
+          <a:p>
+            <a:r>
+              <a:rPr lang="en-US" sz="1400" dirty="0" smtClean="0"/>
+              <a:t>*</a:t>
+            </a:r>
+            <a:endParaRPr lang="en-US" sz="1400" dirty="0"/>
           </a:p>
         </p:txBody>
       </p:sp>

--- a/brWheel_my/encoder_ffb_clip_led_wiring_diagram.pptx
+++ b/brWheel_my/encoder_ffb_clip_led_wiring_diagram.pptx
@@ -241,7 +241,7 @@
           <a:p>
             <a:fld id="{A398FB1A-F8C3-427F-BE44-B87966AC4D7F}" type="datetimeFigureOut">
               <a:rPr lang="en-US" smtClean="0"/>
-              <a:t>09-Jun-22</a:t>
+              <a:t>23-Jun-22</a:t>
             </a:fld>
             <a:endParaRPr lang="en-US"/>
           </a:p>
@@ -409,7 +409,7 @@
           <a:p>
             <a:fld id="{A398FB1A-F8C3-427F-BE44-B87966AC4D7F}" type="datetimeFigureOut">
               <a:rPr lang="en-US" smtClean="0"/>
-              <a:t>09-Jun-22</a:t>
+              <a:t>23-Jun-22</a:t>
             </a:fld>
             <a:endParaRPr lang="en-US"/>
           </a:p>
@@ -587,7 +587,7 @@
           <a:p>
             <a:fld id="{A398FB1A-F8C3-427F-BE44-B87966AC4D7F}" type="datetimeFigureOut">
               <a:rPr lang="en-US" smtClean="0"/>
-              <a:t>09-Jun-22</a:t>
+              <a:t>23-Jun-22</a:t>
             </a:fld>
             <a:endParaRPr lang="en-US"/>
           </a:p>
@@ -755,7 +755,7 @@
           <a:p>
             <a:fld id="{A398FB1A-F8C3-427F-BE44-B87966AC4D7F}" type="datetimeFigureOut">
               <a:rPr lang="en-US" smtClean="0"/>
-              <a:t>09-Jun-22</a:t>
+              <a:t>23-Jun-22</a:t>
             </a:fld>
             <a:endParaRPr lang="en-US"/>
           </a:p>
@@ -1000,7 +1000,7 @@
           <a:p>
             <a:fld id="{A398FB1A-F8C3-427F-BE44-B87966AC4D7F}" type="datetimeFigureOut">
               <a:rPr lang="en-US" smtClean="0"/>
-              <a:t>09-Jun-22</a:t>
+              <a:t>23-Jun-22</a:t>
             </a:fld>
             <a:endParaRPr lang="en-US"/>
           </a:p>
@@ -1229,7 +1229,7 @@
           <a:p>
             <a:fld id="{A398FB1A-F8C3-427F-BE44-B87966AC4D7F}" type="datetimeFigureOut">
               <a:rPr lang="en-US" smtClean="0"/>
-              <a:t>09-Jun-22</a:t>
+              <a:t>23-Jun-22</a:t>
             </a:fld>
             <a:endParaRPr lang="en-US"/>
           </a:p>
@@ -1593,7 +1593,7 @@
           <a:p>
             <a:fld id="{A398FB1A-F8C3-427F-BE44-B87966AC4D7F}" type="datetimeFigureOut">
               <a:rPr lang="en-US" smtClean="0"/>
-              <a:t>09-Jun-22</a:t>
+              <a:t>23-Jun-22</a:t>
             </a:fld>
             <a:endParaRPr lang="en-US"/>
           </a:p>
@@ -1710,7 +1710,7 @@
           <a:p>
             <a:fld id="{A398FB1A-F8C3-427F-BE44-B87966AC4D7F}" type="datetimeFigureOut">
               <a:rPr lang="en-US" smtClean="0"/>
-              <a:t>09-Jun-22</a:t>
+              <a:t>23-Jun-22</a:t>
             </a:fld>
             <a:endParaRPr lang="en-US"/>
           </a:p>
@@ -1805,7 +1805,7 @@
           <a:p>
             <a:fld id="{A398FB1A-F8C3-427F-BE44-B87966AC4D7F}" type="datetimeFigureOut">
               <a:rPr lang="en-US" smtClean="0"/>
-              <a:t>09-Jun-22</a:t>
+              <a:t>23-Jun-22</a:t>
             </a:fld>
             <a:endParaRPr lang="en-US"/>
           </a:p>
@@ -2080,7 +2080,7 @@
           <a:p>
             <a:fld id="{A398FB1A-F8C3-427F-BE44-B87966AC4D7F}" type="datetimeFigureOut">
               <a:rPr lang="en-US" smtClean="0"/>
-              <a:t>09-Jun-22</a:t>
+              <a:t>23-Jun-22</a:t>
             </a:fld>
             <a:endParaRPr lang="en-US"/>
           </a:p>
@@ -2332,7 +2332,7 @@
           <a:p>
             <a:fld id="{A398FB1A-F8C3-427F-BE44-B87966AC4D7F}" type="datetimeFigureOut">
               <a:rPr lang="en-US" smtClean="0"/>
-              <a:t>09-Jun-22</a:t>
+              <a:t>23-Jun-22</a:t>
             </a:fld>
             <a:endParaRPr lang="en-US"/>
           </a:p>
@@ -2543,7 +2543,7 @@
           <a:p>
             <a:fld id="{A398FB1A-F8C3-427F-BE44-B87966AC4D7F}" type="datetimeFigureOut">
               <a:rPr lang="en-US" smtClean="0"/>
-              <a:t>09-Jun-22</a:t>
+              <a:t>23-Jun-22</a:t>
             </a:fld>
             <a:endParaRPr lang="en-US"/>
           </a:p>
@@ -3159,7 +3159,7 @@
             </a:r>
             <a:r>
               <a:rPr lang="en-US" sz="1400" i="1" dirty="0" smtClean="0"/>
-              <a:t>PPR=10k </a:t>
+              <a:t>CPR is 100k </a:t>
             </a:r>
             <a:endParaRPr lang="en-US" sz="1400" i="1" dirty="0"/>
           </a:p>

--- a/brWheel_my/encoder_ffb_clip_led_wiring_diagram.pptx
+++ b/brWheel_my/encoder_ffb_clip_led_wiring_diagram.pptx
@@ -3159,7 +3159,7 @@
             </a:r>
             <a:r>
               <a:rPr lang="en-US" sz="1400" i="1" dirty="0" smtClean="0"/>
-              <a:t>CPR is 100k </a:t>
+              <a:t>CPR=100k </a:t>
             </a:r>
             <a:endParaRPr lang="en-US" sz="1400" i="1" dirty="0"/>
           </a:p>
